--- a/Algoritmos e Estrutura de Dados - Parte 2.pptx
+++ b/Algoritmos e Estrutura de Dados - Parte 2.pptx
@@ -122,6 +122,35 @@
 </p:presentation>
 </file>
 
+<file path=ppt/changesInfos/changesInfo1.xml><?xml version="1.0" encoding="utf-8"?>
+<pc:chgInfo xmlns:a="http://schemas.openxmlformats.org/drawingml/2006/main" xmlns:r="http://schemas.openxmlformats.org/officeDocument/2006/relationships" xmlns:ac="http://schemas.microsoft.com/office/drawing/2013/main/command" xmlns:pc="http://schemas.microsoft.com/office/powerpoint/2013/main/command">
+  <pc:docChgLst>
+    <pc:chgData name="Diogo Luís Araujo de Faria" userId="571ac320-812f-46b5-b91d-1d76ae9c5501" providerId="ADAL" clId="{DD91C25E-4FD9-4A1F-B024-B0409E0133EE}"/>
+    <pc:docChg chg="custSel modSld">
+      <pc:chgData name="Diogo Luís Araujo de Faria" userId="571ac320-812f-46b5-b91d-1d76ae9c5501" providerId="ADAL" clId="{DD91C25E-4FD9-4A1F-B024-B0409E0133EE}" dt="2021-01-04T21:34:17.785" v="1260" actId="20577"/>
+      <pc:docMkLst>
+        <pc:docMk/>
+      </pc:docMkLst>
+      <pc:sldChg chg="modSp mod">
+        <pc:chgData name="Diogo Luís Araujo de Faria" userId="571ac320-812f-46b5-b91d-1d76ae9c5501" providerId="ADAL" clId="{DD91C25E-4FD9-4A1F-B024-B0409E0133EE}" dt="2021-01-04T21:34:17.785" v="1260" actId="20577"/>
+        <pc:sldMkLst>
+          <pc:docMk/>
+          <pc:sldMk cId="3035512287" sldId="263"/>
+        </pc:sldMkLst>
+        <pc:spChg chg="mod">
+          <ac:chgData name="Diogo Luís Araujo de Faria" userId="571ac320-812f-46b5-b91d-1d76ae9c5501" providerId="ADAL" clId="{DD91C25E-4FD9-4A1F-B024-B0409E0133EE}" dt="2021-01-04T21:34:17.785" v="1260" actId="20577"/>
+          <ac:spMkLst>
+            <pc:docMk/>
+            <pc:sldMk cId="3035512287" sldId="263"/>
+            <ac:spMk id="5" creationId="{DDAAF952-4C4D-4672-AE1C-F19B90F99CC8}"/>
+          </ac:spMkLst>
+        </pc:spChg>
+      </pc:sldChg>
+    </pc:docChg>
+  </pc:docChgLst>
+</pc:chgInfo>
+</file>
+
 <file path=ppt/notesMasters/notesMaster1.xml><?xml version="1.0" encoding="utf-8"?>
 <p:notesMaster xmlns:a="http://schemas.openxmlformats.org/drawingml/2006/main" xmlns:r="http://schemas.openxmlformats.org/officeDocument/2006/relationships" xmlns:p="http://schemas.openxmlformats.org/presentationml/2006/main">
   <p:cSld>
@@ -204,7 +233,7 @@
           <a:p>
             <a:fld id="{25CA5709-6B14-4B06-8DA3-794CFBAEB01E}" type="datetimeFigureOut">
               <a:rPr lang="en-GB" smtClean="0"/>
-              <a:t>03/01/2021</a:t>
+              <a:t>04/01/2021</a:t>
             </a:fld>
             <a:endParaRPr lang="en-GB"/>
           </a:p>
@@ -700,7 +729,7 @@
           <a:p>
             <a:fld id="{528C0D68-BC64-4548-B359-5E6EE161A17B}" type="datetime1">
               <a:rPr lang="en-GB" smtClean="0"/>
-              <a:t>03/01/2021</a:t>
+              <a:t>04/01/2021</a:t>
             </a:fld>
             <a:endParaRPr lang="en-GB"/>
           </a:p>
@@ -908,7 +937,7 @@
           <a:p>
             <a:fld id="{0EBD4178-4B69-42DA-A27C-04B9ADB16C27}" type="datetime1">
               <a:rPr lang="en-GB" smtClean="0"/>
-              <a:t>03/01/2021</a:t>
+              <a:t>04/01/2021</a:t>
             </a:fld>
             <a:endParaRPr lang="en-GB"/>
           </a:p>
@@ -1166,7 +1195,7 @@
           <a:p>
             <a:fld id="{58453F14-14F7-4EA6-B5AA-7096F8A10CBB}" type="datetime1">
               <a:rPr lang="en-GB" smtClean="0"/>
-              <a:t>03/01/2021</a:t>
+              <a:t>04/01/2021</a:t>
             </a:fld>
             <a:endParaRPr lang="en-GB"/>
           </a:p>
@@ -1336,7 +1365,7 @@
           <a:p>
             <a:fld id="{A07640FD-DEE0-4225-93C0-E322916D4B8C}" type="datetime1">
               <a:rPr lang="en-GB" smtClean="0"/>
-              <a:t>03/01/2021</a:t>
+              <a:t>04/01/2021</a:t>
             </a:fld>
             <a:endParaRPr lang="en-GB"/>
           </a:p>
@@ -1673,7 +1702,7 @@
           <a:p>
             <a:fld id="{FBEB173A-6315-40E0-AF83-87908FDBA9E9}" type="datetime1">
               <a:rPr lang="en-GB" smtClean="0"/>
-              <a:t>03/01/2021</a:t>
+              <a:t>04/01/2021</a:t>
             </a:fld>
             <a:endParaRPr lang="en-GB"/>
           </a:p>
@@ -1948,7 +1977,7 @@
           <a:p>
             <a:fld id="{7BE85FFC-0687-4317-B90C-576D431A8BF9}" type="datetime1">
               <a:rPr lang="en-GB" smtClean="0"/>
-              <a:t>03/01/2021</a:t>
+              <a:t>04/01/2021</a:t>
             </a:fld>
             <a:endParaRPr lang="en-GB"/>
           </a:p>
@@ -2327,7 +2356,7 @@
           <a:p>
             <a:fld id="{569C512B-6BF1-4860-A27F-3EBDB70D3B5E}" type="datetime1">
               <a:rPr lang="en-GB" smtClean="0"/>
-              <a:t>03/01/2021</a:t>
+              <a:t>04/01/2021</a:t>
             </a:fld>
             <a:endParaRPr lang="en-GB"/>
           </a:p>
@@ -2445,7 +2474,7 @@
           <a:p>
             <a:fld id="{5EBA4936-34F5-45A6-BA7C-3F8504FE5DDD}" type="datetime1">
               <a:rPr lang="en-GB" smtClean="0"/>
-              <a:t>03/01/2021</a:t>
+              <a:t>04/01/2021</a:t>
             </a:fld>
             <a:endParaRPr lang="en-GB"/>
           </a:p>
@@ -2618,7 +2647,7 @@
           <a:p>
             <a:fld id="{4418E47F-A5E6-41A9-A8F6-73FA5EDE3A32}" type="datetime1">
               <a:rPr lang="en-GB" smtClean="0"/>
-              <a:t>03/01/2021</a:t>
+              <a:t>04/01/2021</a:t>
             </a:fld>
             <a:endParaRPr lang="en-GB"/>
           </a:p>
@@ -2974,7 +3003,7 @@
           <a:p>
             <a:fld id="{763A8260-C07D-4155-A974-721396ED1176}" type="datetime1">
               <a:rPr lang="en-GB" smtClean="0"/>
-              <a:t>03/01/2021</a:t>
+              <a:t>04/01/2021</a:t>
             </a:fld>
             <a:endParaRPr lang="en-GB"/>
           </a:p>
@@ -3353,7 +3382,7 @@
           <a:p>
             <a:fld id="{3C72DF81-A306-4F00-9B77-8EDE722AAE69}" type="datetime1">
               <a:rPr lang="en-GB" smtClean="0"/>
-              <a:t>03/01/2021</a:t>
+              <a:t>04/01/2021</a:t>
             </a:fld>
             <a:endParaRPr lang="en-GB"/>
           </a:p>
@@ -3642,7 +3671,7 @@
           <a:p>
             <a:fld id="{9DDDFCC9-582D-4E1D-9CC3-42DB11393341}" type="datetime1">
               <a:rPr lang="en-GB" smtClean="0"/>
-              <a:t>03/01/2021</a:t>
+              <a:t>04/01/2021</a:t>
             </a:fld>
             <a:endParaRPr lang="en-GB"/>
           </a:p>
@@ -6067,11 +6096,25 @@
             <a:pPr lvl="1" algn="just"/>
             <a:r>
               <a:rPr lang="pt-PT" dirty="0"/>
-              <a:t> </a:t>
-            </a:r>
-            <a:r>
-              <a:rPr lang="pt-PT" dirty="0" err="1"/>
-              <a:t>idk</a:t>
+              <a:t>Um aspeto, embora não necessariamente uma funcionalidade, que achamos que ficou bem implementado foi a integração do novo código com o que já estava presente.</a:t>
+            </a:r>
+          </a:p>
+          <a:p>
+            <a:pPr lvl="1" algn="just"/>
+            <a:r>
+              <a:rPr lang="pt-PT" dirty="0"/>
+              <a:t>Conseguimos adicionar o código sem a necessidade de alterações significativas ao que tinha sido realizado para a parte 1 sem que fossem causados problemas que tornassem o código antigo inutilizável ou com problemas.</a:t>
+            </a:r>
+          </a:p>
+          <a:p>
+            <a:pPr lvl="1" algn="just"/>
+            <a:r>
+              <a:rPr lang="pt-PT" dirty="0"/>
+              <a:t>Das várias estruturas de dados não conseguimos dar o veredicto de qual poderia ser o destaque, sendo que acreditamos que estão ao </a:t>
+            </a:r>
+            <a:r>
+              <a:rPr lang="pt-PT"/>
+              <a:t>mesmo nível.</a:t>
             </a:r>
             <a:endParaRPr lang="pt-PT" dirty="0"/>
           </a:p>
